--- a/3DImaging_PipelineSetup_220229.pptx
+++ b/3DImaging_PipelineSetup_220229.pptx
@@ -5,7 +5,7 @@
     <p:sldMasterId id="2147483648" r:id="rId1"/>
   </p:sldMasterIdLst>
   <p:notesMasterIdLst>
-    <p:notesMasterId r:id="rId9"/>
+    <p:notesMasterId r:id="rId11"/>
   </p:notesMasterIdLst>
   <p:sldIdLst>
     <p:sldId id="258" r:id="rId2"/>
@@ -15,6 +15,8 @@
     <p:sldId id="256" r:id="rId6"/>
     <p:sldId id="261" r:id="rId7"/>
     <p:sldId id="262" r:id="rId8"/>
+    <p:sldId id="263" r:id="rId9"/>
+    <p:sldId id="264" r:id="rId10"/>
   </p:sldIdLst>
   <p:sldSz cx="12192000" cy="6858000"/>
   <p:notesSz cx="6858000" cy="9144000"/>
@@ -203,7 +205,7 @@
           <a:p>
             <a:fld id="{2DD6C4EA-F84B-8744-9CDF-3BF539B94832}" type="datetimeFigureOut">
               <a:rPr lang="en-US" smtClean="0"/>
-              <a:t>2/21/22</a:t>
+              <a:t>4/12/22</a:t>
             </a:fld>
             <a:endParaRPr lang="en-US"/>
           </a:p>
@@ -842,6 +844,9 @@
           <a:p>
             <a:endParaRPr lang="en-US" dirty="0"/>
           </a:p>
+          <a:p>
+            <a:endParaRPr lang="en-US" dirty="0"/>
+          </a:p>
         </p:txBody>
       </p:sp>
       <p:sp>
@@ -972,6 +977,121 @@
     <p:extLst>
       <p:ext uri="{BB962C8B-B14F-4D97-AF65-F5344CB8AC3E}">
         <p14:creationId xmlns:p14="http://schemas.microsoft.com/office/powerpoint/2010/main" val="3967903455"/>
+      </p:ext>
+    </p:extLst>
+  </p:cSld>
+  <p:clrMapOvr>
+    <a:masterClrMapping/>
+  </p:clrMapOvr>
+</p:notes>
+</file>
+
+<file path=ppt/notesSlides/notesSlide6.xml><?xml version="1.0" encoding="utf-8"?>
+<p:notes xmlns:a="http://schemas.openxmlformats.org/drawingml/2006/main" xmlns:r="http://schemas.openxmlformats.org/officeDocument/2006/relationships" xmlns:p="http://schemas.openxmlformats.org/presentationml/2006/main">
+  <p:cSld>
+    <p:spTree>
+      <p:nvGrpSpPr>
+        <p:cNvPr id="1" name=""/>
+        <p:cNvGrpSpPr/>
+        <p:nvPr/>
+      </p:nvGrpSpPr>
+      <p:grpSpPr>
+        <a:xfrm>
+          <a:off x="0" y="0"/>
+          <a:ext cx="0" cy="0"/>
+          <a:chOff x="0" y="0"/>
+          <a:chExt cx="0" cy="0"/>
+        </a:xfrm>
+      </p:grpSpPr>
+      <p:sp>
+        <p:nvSpPr>
+          <p:cNvPr id="2" name="Slide Image Placeholder 1"/>
+          <p:cNvSpPr>
+            <a:spLocks noGrp="1" noRot="1" noChangeAspect="1"/>
+          </p:cNvSpPr>
+          <p:nvPr>
+            <p:ph type="sldImg"/>
+          </p:nvPr>
+        </p:nvSpPr>
+        <p:spPr/>
+      </p:sp>
+      <p:sp>
+        <p:nvSpPr>
+          <p:cNvPr id="3" name="Notes Placeholder 2"/>
+          <p:cNvSpPr>
+            <a:spLocks noGrp="1"/>
+          </p:cNvSpPr>
+          <p:nvPr>
+            <p:ph type="body" idx="1"/>
+          </p:nvPr>
+        </p:nvSpPr>
+        <p:spPr/>
+        <p:txBody>
+          <a:bodyPr/>
+          <a:lstStyle/>
+          <a:p>
+            <a:r>
+              <a:rPr lang="en-US" dirty="0"/>
+              <a:t>Use exact syntax (e.g. upper-case “F” in </a:t>
+            </a:r>
+            <a:r>
+              <a:rPr lang="en-US" dirty="0" err="1"/>
+              <a:t>FoF</a:t>
+            </a:r>
+            <a:r>
+              <a:rPr lang="en-US" dirty="0"/>
+              <a:t>, lower-case “n” in nucleus)</a:t>
+            </a:r>
+          </a:p>
+          <a:p>
+            <a:endParaRPr lang="en-US" dirty="0"/>
+          </a:p>
+          <a:p>
+            <a:r>
+              <a:rPr lang="en-US" dirty="0"/>
+              <a:t>For </a:t>
+            </a:r>
+            <a:r>
+              <a:rPr lang="en-US" dirty="0" err="1"/>
+              <a:t>FoF</a:t>
+            </a:r>
+            <a:r>
+              <a:rPr lang="en-US" dirty="0"/>
+              <a:t> # composed of more than 3 digits, the first digit encodes for the ranked temporal order of image acquisitions</a:t>
+            </a:r>
+          </a:p>
+          <a:p>
+            <a:endParaRPr lang="en-US" dirty="0"/>
+          </a:p>
+        </p:txBody>
+      </p:sp>
+      <p:sp>
+        <p:nvSpPr>
+          <p:cNvPr id="4" name="Slide Number Placeholder 3"/>
+          <p:cNvSpPr>
+            <a:spLocks noGrp="1"/>
+          </p:cNvSpPr>
+          <p:nvPr>
+            <p:ph type="sldNum" sz="quarter" idx="5"/>
+          </p:nvPr>
+        </p:nvSpPr>
+        <p:spPr/>
+        <p:txBody>
+          <a:bodyPr/>
+          <a:lstStyle/>
+          <a:p>
+            <a:fld id="{F7510E6F-6E88-164B-B557-E8B042EBCDA3}" type="slidenum">
+              <a:rPr lang="en-US" smtClean="0"/>
+              <a:t>9</a:t>
+            </a:fld>
+            <a:endParaRPr lang="en-US"/>
+          </a:p>
+        </p:txBody>
+      </p:sp>
+    </p:spTree>
+    <p:extLst>
+      <p:ext uri="{BB962C8B-B14F-4D97-AF65-F5344CB8AC3E}">
+        <p14:creationId xmlns:p14="http://schemas.microsoft.com/office/powerpoint/2010/main" val="2679294930"/>
       </p:ext>
     </p:extLst>
   </p:cSld>
@@ -1128,7 +1248,7 @@
           <a:p>
             <a:fld id="{AE54FBC7-1C9C-FD4F-9454-14BDA9D559E8}" type="datetimeFigureOut">
               <a:rPr lang="en-US" smtClean="0"/>
-              <a:t>2/21/22</a:t>
+              <a:t>4/12/22</a:t>
             </a:fld>
             <a:endParaRPr lang="en-US"/>
           </a:p>
@@ -1326,7 +1446,7 @@
           <a:p>
             <a:fld id="{AE54FBC7-1C9C-FD4F-9454-14BDA9D559E8}" type="datetimeFigureOut">
               <a:rPr lang="en-US" smtClean="0"/>
-              <a:t>2/21/22</a:t>
+              <a:t>4/12/22</a:t>
             </a:fld>
             <a:endParaRPr lang="en-US"/>
           </a:p>
@@ -1534,7 +1654,7 @@
           <a:p>
             <a:fld id="{AE54FBC7-1C9C-FD4F-9454-14BDA9D559E8}" type="datetimeFigureOut">
               <a:rPr lang="en-US" smtClean="0"/>
-              <a:t>2/21/22</a:t>
+              <a:t>4/12/22</a:t>
             </a:fld>
             <a:endParaRPr lang="en-US"/>
           </a:p>
@@ -1732,7 +1852,7 @@
           <a:p>
             <a:fld id="{AE54FBC7-1C9C-FD4F-9454-14BDA9D559E8}" type="datetimeFigureOut">
               <a:rPr lang="en-US" smtClean="0"/>
-              <a:t>2/21/22</a:t>
+              <a:t>4/12/22</a:t>
             </a:fld>
             <a:endParaRPr lang="en-US"/>
           </a:p>
@@ -2007,7 +2127,7 @@
           <a:p>
             <a:fld id="{AE54FBC7-1C9C-FD4F-9454-14BDA9D559E8}" type="datetimeFigureOut">
               <a:rPr lang="en-US" smtClean="0"/>
-              <a:t>2/21/22</a:t>
+              <a:t>4/12/22</a:t>
             </a:fld>
             <a:endParaRPr lang="en-US"/>
           </a:p>
@@ -2272,7 +2392,7 @@
           <a:p>
             <a:fld id="{AE54FBC7-1C9C-FD4F-9454-14BDA9D559E8}" type="datetimeFigureOut">
               <a:rPr lang="en-US" smtClean="0"/>
-              <a:t>2/21/22</a:t>
+              <a:t>4/12/22</a:t>
             </a:fld>
             <a:endParaRPr lang="en-US"/>
           </a:p>
@@ -2684,7 +2804,7 @@
           <a:p>
             <a:fld id="{AE54FBC7-1C9C-FD4F-9454-14BDA9D559E8}" type="datetimeFigureOut">
               <a:rPr lang="en-US" smtClean="0"/>
-              <a:t>2/21/22</a:t>
+              <a:t>4/12/22</a:t>
             </a:fld>
             <a:endParaRPr lang="en-US"/>
           </a:p>
@@ -2825,7 +2945,7 @@
           <a:p>
             <a:fld id="{AE54FBC7-1C9C-FD4F-9454-14BDA9D559E8}" type="datetimeFigureOut">
               <a:rPr lang="en-US" smtClean="0"/>
-              <a:t>2/21/22</a:t>
+              <a:t>4/12/22</a:t>
             </a:fld>
             <a:endParaRPr lang="en-US"/>
           </a:p>
@@ -2938,7 +3058,7 @@
           <a:p>
             <a:fld id="{AE54FBC7-1C9C-FD4F-9454-14BDA9D559E8}" type="datetimeFigureOut">
               <a:rPr lang="en-US" smtClean="0"/>
-              <a:t>2/21/22</a:t>
+              <a:t>4/12/22</a:t>
             </a:fld>
             <a:endParaRPr lang="en-US"/>
           </a:p>
@@ -3249,7 +3369,7 @@
           <a:p>
             <a:fld id="{AE54FBC7-1C9C-FD4F-9454-14BDA9D559E8}" type="datetimeFigureOut">
               <a:rPr lang="en-US" smtClean="0"/>
-              <a:t>2/21/22</a:t>
+              <a:t>4/12/22</a:t>
             </a:fld>
             <a:endParaRPr lang="en-US"/>
           </a:p>
@@ -3537,7 +3657,7 @@
           <a:p>
             <a:fld id="{AE54FBC7-1C9C-FD4F-9454-14BDA9D559E8}" type="datetimeFigureOut">
               <a:rPr lang="en-US" smtClean="0"/>
-              <a:t>2/21/22</a:t>
+              <a:t>4/12/22</a:t>
             </a:fld>
             <a:endParaRPr lang="en-US"/>
           </a:p>
@@ -3778,7 +3898,7 @@
           <a:p>
             <a:fld id="{AE54FBC7-1C9C-FD4F-9454-14BDA9D559E8}" type="datetimeFigureOut">
               <a:rPr lang="en-US" smtClean="0"/>
-              <a:t>2/21/22</a:t>
+              <a:t>4/12/22</a:t>
             </a:fld>
             <a:endParaRPr lang="en-US"/>
           </a:p>
@@ -7872,7 +7992,7 @@
         <p:spPr>
           <a:xfrm>
             <a:off x="3531010" y="2321180"/>
-            <a:ext cx="748988" cy="369332"/>
+            <a:ext cx="631968" cy="369332"/>
           </a:xfrm>
           <a:prstGeom prst="rect">
             <a:avLst/>
@@ -7900,7 +8020,7 @@
           <a:p>
             <a:r>
               <a:rPr lang="en-US" dirty="0"/>
-              <a:t>FoF00</a:t>
+              <a:t>FoF1</a:t>
             </a:r>
           </a:p>
         </p:txBody>
@@ -7920,7 +8040,7 @@
         <p:spPr>
           <a:xfrm>
             <a:off x="3531010" y="3671008"/>
-            <a:ext cx="748988" cy="369332"/>
+            <a:ext cx="631968" cy="369332"/>
           </a:xfrm>
           <a:prstGeom prst="rect">
             <a:avLst/>
@@ -7941,14 +8061,14 @@
           </a:fontRef>
         </p:style>
         <p:txBody>
-          <a:bodyPr wrap="none" rtlCol="0">
+          <a:bodyPr wrap="square" rtlCol="0">
             <a:spAutoFit/>
           </a:bodyPr>
           <a:lstStyle/>
           <a:p>
             <a:r>
               <a:rPr lang="en-US" dirty="0"/>
-              <a:t>FoF01</a:t>
+              <a:t>FoF2</a:t>
             </a:r>
           </a:p>
         </p:txBody>
@@ -7968,7 +8088,7 @@
         <p:spPr>
           <a:xfrm>
             <a:off x="3531010" y="4650723"/>
-            <a:ext cx="748988" cy="369332"/>
+            <a:ext cx="631968" cy="369332"/>
           </a:xfrm>
           <a:prstGeom prst="rect">
             <a:avLst/>
@@ -7989,14 +8109,14 @@
           </a:fontRef>
         </p:style>
         <p:txBody>
-          <a:bodyPr wrap="none" rtlCol="0">
+          <a:bodyPr wrap="square" rtlCol="0">
             <a:spAutoFit/>
           </a:bodyPr>
           <a:lstStyle/>
           <a:p>
             <a:r>
               <a:rPr lang="en-US" dirty="0"/>
-              <a:t>FoF02</a:t>
+              <a:t>FoF3</a:t>
             </a:r>
           </a:p>
         </p:txBody>
@@ -8037,7 +8157,7 @@
           </a:fontRef>
         </p:style>
         <p:txBody>
-          <a:bodyPr wrap="none" rtlCol="0">
+          <a:bodyPr wrap="square" rtlCol="0">
             <a:spAutoFit/>
           </a:bodyPr>
           <a:lstStyle/>
@@ -8208,7 +8328,7 @@
         <p:spPr>
           <a:xfrm>
             <a:off x="951835" y="6281057"/>
-            <a:ext cx="2810385" cy="369332"/>
+            <a:ext cx="2693366" cy="369332"/>
           </a:xfrm>
           <a:prstGeom prst="rect">
             <a:avLst/>
@@ -8227,7 +8347,7 @@
                   <a:srgbClr val="C00000"/>
                 </a:solidFill>
               </a:rPr>
-              <a:t>Example: FoF00_2022Jan04</a:t>
+              <a:t>Example: FoF1_2022Jan04</a:t>
             </a:r>
           </a:p>
         </p:txBody>
@@ -9028,8 +9148,22 @@
               <a:t>FoF</a:t>
             </a:r>
             <a:r>
-              <a:rPr lang="en-US"/>
+              <a:rPr lang="en-US" dirty="0"/>
               <a:t> IDs.</a:t>
+            </a:r>
+          </a:p>
+          <a:p>
+            <a:r>
+              <a:rPr lang="en-US" dirty="0"/>
+              <a:t>Solution: include organelle in </a:t>
+            </a:r>
+            <a:r>
+              <a:rPr lang="en-US" dirty="0" err="1"/>
+              <a:t>FoF</a:t>
+            </a:r>
+            <a:r>
+              <a:rPr lang="en-US" dirty="0"/>
+              <a:t> ID (already implemented)</a:t>
             </a:r>
           </a:p>
           <a:p>
@@ -9041,6 +9175,752 @@
     <p:extLst>
       <p:ext uri="{BB962C8B-B14F-4D97-AF65-F5344CB8AC3E}">
         <p14:creationId xmlns:p14="http://schemas.microsoft.com/office/powerpoint/2010/main" val="2213996208"/>
+      </p:ext>
+    </p:extLst>
+  </p:cSld>
+  <p:clrMapOvr>
+    <a:masterClrMapping/>
+  </p:clrMapOvr>
+</p:sld>
+</file>
+
+<file path=ppt/slides/slide8.xml><?xml version="1.0" encoding="utf-8"?>
+<p:sld xmlns:a="http://schemas.openxmlformats.org/drawingml/2006/main" xmlns:r="http://schemas.openxmlformats.org/officeDocument/2006/relationships" xmlns:p="http://schemas.openxmlformats.org/presentationml/2006/main">
+  <p:cSld>
+    <p:spTree>
+      <p:nvGrpSpPr>
+        <p:cNvPr id="1" name=""/>
+        <p:cNvGrpSpPr/>
+        <p:nvPr/>
+      </p:nvGrpSpPr>
+      <p:grpSpPr>
+        <a:xfrm>
+          <a:off x="0" y="0"/>
+          <a:ext cx="0" cy="0"/>
+          <a:chOff x="0" y="0"/>
+          <a:chExt cx="0" cy="0"/>
+        </a:xfrm>
+      </p:grpSpPr>
+      <p:sp>
+        <p:nvSpPr>
+          <p:cNvPr id="2" name="Title 1">
+            <a:extLst>
+              <a:ext uri="{FF2B5EF4-FFF2-40B4-BE49-F238E27FC236}">
+                <a16:creationId xmlns:a16="http://schemas.microsoft.com/office/drawing/2014/main" id="{C3DAFB55-DE5E-CB48-B6BA-DF29124F7A04}"/>
+              </a:ext>
+            </a:extLst>
+          </p:cNvPr>
+          <p:cNvSpPr>
+            <a:spLocks noGrp="1"/>
+          </p:cNvSpPr>
+          <p:nvPr>
+            <p:ph type="title"/>
+          </p:nvPr>
+        </p:nvSpPr>
+        <p:spPr/>
+        <p:txBody>
+          <a:bodyPr/>
+          <a:lstStyle/>
+          <a:p>
+            <a:r>
+              <a:rPr lang="en-US" dirty="0"/>
+              <a:t>Extensions</a:t>
+            </a:r>
+          </a:p>
+        </p:txBody>
+      </p:sp>
+      <p:sp>
+        <p:nvSpPr>
+          <p:cNvPr id="3" name="Text Placeholder 2">
+            <a:extLst>
+              <a:ext uri="{FF2B5EF4-FFF2-40B4-BE49-F238E27FC236}">
+                <a16:creationId xmlns:a16="http://schemas.microsoft.com/office/drawing/2014/main" id="{F2570D9D-F0F2-CA45-B983-775302ABC4F3}"/>
+              </a:ext>
+            </a:extLst>
+          </p:cNvPr>
+          <p:cNvSpPr>
+            <a:spLocks noGrp="1"/>
+          </p:cNvSpPr>
+          <p:nvPr>
+            <p:ph type="body" idx="1"/>
+          </p:nvPr>
+        </p:nvSpPr>
+        <p:spPr/>
+        <p:txBody>
+          <a:bodyPr/>
+          <a:lstStyle/>
+          <a:p>
+            <a:endParaRPr lang="en-US"/>
+          </a:p>
+        </p:txBody>
+      </p:sp>
+    </p:spTree>
+    <p:extLst>
+      <p:ext uri="{BB962C8B-B14F-4D97-AF65-F5344CB8AC3E}">
+        <p14:creationId xmlns:p14="http://schemas.microsoft.com/office/powerpoint/2010/main" val="220986482"/>
+      </p:ext>
+    </p:extLst>
+  </p:cSld>
+  <p:clrMapOvr>
+    <a:masterClrMapping/>
+  </p:clrMapOvr>
+</p:sld>
+</file>
+
+<file path=ppt/slides/slide9.xml><?xml version="1.0" encoding="utf-8"?>
+<p:sld xmlns:a="http://schemas.openxmlformats.org/drawingml/2006/main" xmlns:r="http://schemas.openxmlformats.org/officeDocument/2006/relationships" xmlns:p="http://schemas.openxmlformats.org/presentationml/2006/main">
+  <p:cSld>
+    <p:spTree>
+      <p:nvGrpSpPr>
+        <p:cNvPr id="1" name=""/>
+        <p:cNvGrpSpPr/>
+        <p:nvPr/>
+      </p:nvGrpSpPr>
+      <p:grpSpPr>
+        <a:xfrm>
+          <a:off x="0" y="0"/>
+          <a:ext cx="0" cy="0"/>
+          <a:chOff x="0" y="0"/>
+          <a:chExt cx="0" cy="0"/>
+        </a:xfrm>
+      </p:grpSpPr>
+      <p:sp>
+        <p:nvSpPr>
+          <p:cNvPr id="9" name="TextBox 8">
+            <a:extLst>
+              <a:ext uri="{FF2B5EF4-FFF2-40B4-BE49-F238E27FC236}">
+                <a16:creationId xmlns:a16="http://schemas.microsoft.com/office/drawing/2014/main" id="{F0320AEC-DC6D-A543-B198-A001D9F0FB00}"/>
+              </a:ext>
+            </a:extLst>
+          </p:cNvPr>
+          <p:cNvSpPr txBox="1"/>
+          <p:nvPr/>
+        </p:nvSpPr>
+        <p:spPr>
+          <a:xfrm>
+            <a:off x="3534216" y="1652240"/>
+            <a:ext cx="745782" cy="369332"/>
+          </a:xfrm>
+          <a:prstGeom prst="rect">
+            <a:avLst/>
+          </a:prstGeom>
+        </p:spPr>
+        <p:style>
+          <a:lnRef idx="2">
+            <a:schemeClr val="dk1"/>
+          </a:lnRef>
+          <a:fillRef idx="1">
+            <a:schemeClr val="lt1"/>
+          </a:fillRef>
+          <a:effectRef idx="0">
+            <a:schemeClr val="dk1"/>
+          </a:effectRef>
+          <a:fontRef idx="minor">
+            <a:schemeClr val="dk1"/>
+          </a:fontRef>
+        </p:style>
+        <p:txBody>
+          <a:bodyPr wrap="none" rtlCol="0">
+            <a:spAutoFit/>
+          </a:bodyPr>
+          <a:lstStyle/>
+          <a:p>
+            <a:r>
+              <a:rPr lang="en-US" dirty="0" err="1"/>
+              <a:t>FoF</a:t>
+            </a:r>
+            <a:r>
+              <a:rPr lang="en-US" dirty="0"/>
+              <a:t> #:</a:t>
+            </a:r>
+          </a:p>
+        </p:txBody>
+      </p:sp>
+      <p:sp>
+        <p:nvSpPr>
+          <p:cNvPr id="13" name="TextBox 12">
+            <a:extLst>
+              <a:ext uri="{FF2B5EF4-FFF2-40B4-BE49-F238E27FC236}">
+                <a16:creationId xmlns:a16="http://schemas.microsoft.com/office/drawing/2014/main" id="{AD498351-9F3D-EC45-AD0C-A6D08FF516C1}"/>
+              </a:ext>
+            </a:extLst>
+          </p:cNvPr>
+          <p:cNvSpPr txBox="1"/>
+          <p:nvPr/>
+        </p:nvSpPr>
+        <p:spPr>
+          <a:xfrm>
+            <a:off x="6939373" y="461185"/>
+            <a:ext cx="768224" cy="369332"/>
+          </a:xfrm>
+          <a:prstGeom prst="rect">
+            <a:avLst/>
+          </a:prstGeom>
+        </p:spPr>
+        <p:style>
+          <a:lnRef idx="2">
+            <a:schemeClr val="dk1">
+              <a:shade val="50000"/>
+            </a:schemeClr>
+          </a:lnRef>
+          <a:fillRef idx="1">
+            <a:schemeClr val="dk1"/>
+          </a:fillRef>
+          <a:effectRef idx="0">
+            <a:schemeClr val="dk1"/>
+          </a:effectRef>
+          <a:fontRef idx="minor">
+            <a:schemeClr val="lt1"/>
+          </a:fontRef>
+        </p:style>
+        <p:txBody>
+          <a:bodyPr wrap="none" rtlCol="0">
+            <a:spAutoFit/>
+          </a:bodyPr>
+          <a:lstStyle/>
+          <a:p>
+            <a:r>
+              <a:rPr lang="en-US" dirty="0" err="1"/>
+              <a:t>FoF</a:t>
+            </a:r>
+            <a:r>
+              <a:rPr lang="en-US" dirty="0"/>
+              <a:t> ID</a:t>
+            </a:r>
+          </a:p>
+        </p:txBody>
+      </p:sp>
+      <p:sp>
+        <p:nvSpPr>
+          <p:cNvPr id="14" name="TextBox 13">
+            <a:extLst>
+              <a:ext uri="{FF2B5EF4-FFF2-40B4-BE49-F238E27FC236}">
+                <a16:creationId xmlns:a16="http://schemas.microsoft.com/office/drawing/2014/main" id="{ADFCF961-4EE1-A143-B605-1AEA0B472212}"/>
+              </a:ext>
+            </a:extLst>
+          </p:cNvPr>
+          <p:cNvSpPr txBox="1"/>
+          <p:nvPr/>
+        </p:nvSpPr>
+        <p:spPr>
+          <a:xfrm>
+            <a:off x="7326691" y="1652240"/>
+            <a:ext cx="688202" cy="369332"/>
+          </a:xfrm>
+          <a:prstGeom prst="rect">
+            <a:avLst/>
+          </a:prstGeom>
+        </p:spPr>
+        <p:style>
+          <a:lnRef idx="2">
+            <a:schemeClr val="dk1"/>
+          </a:lnRef>
+          <a:fillRef idx="1">
+            <a:schemeClr val="lt1"/>
+          </a:fillRef>
+          <a:effectRef idx="0">
+            <a:schemeClr val="dk1"/>
+          </a:effectRef>
+          <a:fontRef idx="minor">
+            <a:schemeClr val="dk1"/>
+          </a:fontRef>
+        </p:style>
+        <p:txBody>
+          <a:bodyPr wrap="none" rtlCol="0">
+            <a:spAutoFit/>
+          </a:bodyPr>
+          <a:lstStyle/>
+          <a:p>
+            <a:r>
+              <a:rPr lang="en-US" dirty="0"/>
+              <a:t>Date:</a:t>
+            </a:r>
+          </a:p>
+        </p:txBody>
+      </p:sp>
+      <p:sp>
+        <p:nvSpPr>
+          <p:cNvPr id="27" name="TextBox 26">
+            <a:extLst>
+              <a:ext uri="{FF2B5EF4-FFF2-40B4-BE49-F238E27FC236}">
+                <a16:creationId xmlns:a16="http://schemas.microsoft.com/office/drawing/2014/main" id="{E3C69F3B-7CA7-6A46-A558-62A6549DC478}"/>
+              </a:ext>
+            </a:extLst>
+          </p:cNvPr>
+          <p:cNvSpPr txBox="1"/>
+          <p:nvPr/>
+        </p:nvSpPr>
+        <p:spPr>
+          <a:xfrm>
+            <a:off x="1017149" y="4249731"/>
+            <a:ext cx="4131900" cy="2308324"/>
+          </a:xfrm>
+          <a:prstGeom prst="rect">
+            <a:avLst/>
+          </a:prstGeom>
+          <a:noFill/>
+        </p:spPr>
+        <p:txBody>
+          <a:bodyPr wrap="none" rtlCol="0">
+            <a:spAutoFit/>
+          </a:bodyPr>
+          <a:lstStyle/>
+          <a:p>
+            <a:r>
+              <a:rPr lang="en-US" b="1" dirty="0"/>
+              <a:t>First timepoint – two fields of view:</a:t>
+            </a:r>
+            <a:r>
+              <a:rPr lang="en-US" b="1" dirty="0">
+                <a:solidFill>
+                  <a:srgbClr val="C00000"/>
+                </a:solidFill>
+              </a:rPr>
+              <a:t> </a:t>
+            </a:r>
+          </a:p>
+          <a:p>
+            <a:r>
+              <a:rPr lang="en-US" b="1" dirty="0">
+                <a:solidFill>
+                  <a:srgbClr val="C00000"/>
+                </a:solidFill>
+              </a:rPr>
+              <a:t>FoF1001_2022Jan04</a:t>
+            </a:r>
+          </a:p>
+          <a:p>
+            <a:r>
+              <a:rPr lang="en-US" b="1" dirty="0">
+                <a:solidFill>
+                  <a:srgbClr val="C00000"/>
+                </a:solidFill>
+              </a:rPr>
+              <a:t>FoF1002_2022Jan04</a:t>
+            </a:r>
+          </a:p>
+          <a:p>
+            <a:endParaRPr lang="en-US" b="1" dirty="0">
+              <a:solidFill>
+                <a:srgbClr val="C00000"/>
+              </a:solidFill>
+            </a:endParaRPr>
+          </a:p>
+          <a:p>
+            <a:r>
+              <a:rPr lang="en-US" b="1" dirty="0"/>
+              <a:t>First two timepoints – one field of view: </a:t>
+            </a:r>
+          </a:p>
+          <a:p>
+            <a:r>
+              <a:rPr lang="en-US" b="1" dirty="0">
+                <a:solidFill>
+                  <a:srgbClr val="C00000"/>
+                </a:solidFill>
+              </a:rPr>
+              <a:t>FoF1004_2022Jan04</a:t>
+            </a:r>
+          </a:p>
+          <a:p>
+            <a:r>
+              <a:rPr lang="en-US" b="1" dirty="0">
+                <a:solidFill>
+                  <a:srgbClr val="C00000"/>
+                </a:solidFill>
+              </a:rPr>
+              <a:t>FoF2004_2022Jan04</a:t>
+            </a:r>
+          </a:p>
+          <a:p>
+            <a:endParaRPr lang="en-US" b="1" dirty="0">
+              <a:solidFill>
+                <a:srgbClr val="C00000"/>
+              </a:solidFill>
+            </a:endParaRPr>
+          </a:p>
+        </p:txBody>
+      </p:sp>
+      <p:cxnSp>
+        <p:nvCxnSpPr>
+          <p:cNvPr id="28" name="Straight Arrow Connector 27">
+            <a:extLst>
+              <a:ext uri="{FF2B5EF4-FFF2-40B4-BE49-F238E27FC236}">
+                <a16:creationId xmlns:a16="http://schemas.microsoft.com/office/drawing/2014/main" id="{C49CEC27-155D-AA44-A6A2-308083D98C48}"/>
+              </a:ext>
+            </a:extLst>
+          </p:cNvPr>
+          <p:cNvCxnSpPr>
+            <a:cxnSpLocks/>
+            <a:stCxn id="13" idx="2"/>
+            <a:endCxn id="9" idx="0"/>
+          </p:cNvCxnSpPr>
+          <p:nvPr/>
+        </p:nvCxnSpPr>
+        <p:spPr>
+          <a:xfrm flipH="1">
+            <a:off x="3907107" y="830517"/>
+            <a:ext cx="3416378" cy="821723"/>
+          </a:xfrm>
+          <a:prstGeom prst="straightConnector1">
+            <a:avLst/>
+          </a:prstGeom>
+          <a:ln w="22225">
+            <a:solidFill>
+              <a:schemeClr val="tx1"/>
+            </a:solidFill>
+            <a:tailEnd type="triangle" w="lg" len="lg"/>
+          </a:ln>
+        </p:spPr>
+        <p:style>
+          <a:lnRef idx="1">
+            <a:schemeClr val="accent1"/>
+          </a:lnRef>
+          <a:fillRef idx="0">
+            <a:schemeClr val="accent1"/>
+          </a:fillRef>
+          <a:effectRef idx="0">
+            <a:schemeClr val="accent1"/>
+          </a:effectRef>
+          <a:fontRef idx="minor">
+            <a:schemeClr val="tx1"/>
+          </a:fontRef>
+        </p:style>
+      </p:cxnSp>
+      <p:cxnSp>
+        <p:nvCxnSpPr>
+          <p:cNvPr id="29" name="Straight Arrow Connector 28">
+            <a:extLst>
+              <a:ext uri="{FF2B5EF4-FFF2-40B4-BE49-F238E27FC236}">
+                <a16:creationId xmlns:a16="http://schemas.microsoft.com/office/drawing/2014/main" id="{1CE6EF42-5DD8-4E44-88AE-BAB0EE3ACD88}"/>
+              </a:ext>
+            </a:extLst>
+          </p:cNvPr>
+          <p:cNvCxnSpPr>
+            <a:cxnSpLocks/>
+            <a:stCxn id="13" idx="2"/>
+            <a:endCxn id="14" idx="0"/>
+          </p:cNvCxnSpPr>
+          <p:nvPr/>
+        </p:nvCxnSpPr>
+        <p:spPr>
+          <a:xfrm>
+            <a:off x="7323485" y="830517"/>
+            <a:ext cx="347307" cy="821723"/>
+          </a:xfrm>
+          <a:prstGeom prst="straightConnector1">
+            <a:avLst/>
+          </a:prstGeom>
+          <a:ln w="22225">
+            <a:solidFill>
+              <a:schemeClr val="tx1"/>
+            </a:solidFill>
+            <a:tailEnd type="triangle" w="lg" len="lg"/>
+          </a:ln>
+        </p:spPr>
+        <p:style>
+          <a:lnRef idx="1">
+            <a:schemeClr val="accent1"/>
+          </a:lnRef>
+          <a:fillRef idx="0">
+            <a:schemeClr val="accent1"/>
+          </a:fillRef>
+          <a:effectRef idx="0">
+            <a:schemeClr val="accent1"/>
+          </a:effectRef>
+          <a:fontRef idx="minor">
+            <a:schemeClr val="tx1"/>
+          </a:fontRef>
+        </p:style>
+      </p:cxnSp>
+      <p:sp>
+        <p:nvSpPr>
+          <p:cNvPr id="24" name="TextBox 23">
+            <a:extLst>
+              <a:ext uri="{FF2B5EF4-FFF2-40B4-BE49-F238E27FC236}">
+                <a16:creationId xmlns:a16="http://schemas.microsoft.com/office/drawing/2014/main" id="{08FC1077-FFA3-D04A-AB92-D63A0B87B96C}"/>
+              </a:ext>
+            </a:extLst>
+          </p:cNvPr>
+          <p:cNvSpPr txBox="1"/>
+          <p:nvPr/>
+        </p:nvSpPr>
+        <p:spPr>
+          <a:xfrm>
+            <a:off x="10101079" y="1652240"/>
+            <a:ext cx="1290738" cy="369332"/>
+          </a:xfrm>
+          <a:prstGeom prst="rect">
+            <a:avLst/>
+          </a:prstGeom>
+        </p:spPr>
+        <p:style>
+          <a:lnRef idx="2">
+            <a:schemeClr val="dk1"/>
+          </a:lnRef>
+          <a:fillRef idx="1">
+            <a:schemeClr val="lt1"/>
+          </a:fillRef>
+          <a:effectRef idx="0">
+            <a:schemeClr val="dk1"/>
+          </a:effectRef>
+          <a:fontRef idx="minor">
+            <a:schemeClr val="dk1"/>
+          </a:fontRef>
+        </p:style>
+        <p:txBody>
+          <a:bodyPr wrap="none" rtlCol="0">
+            <a:spAutoFit/>
+          </a:bodyPr>
+          <a:lstStyle/>
+          <a:p>
+            <a:r>
+              <a:rPr lang="en-US" dirty="0"/>
+              <a:t>Acquisition:</a:t>
+            </a:r>
+          </a:p>
+        </p:txBody>
+      </p:sp>
+      <p:cxnSp>
+        <p:nvCxnSpPr>
+          <p:cNvPr id="32" name="Straight Arrow Connector 31">
+            <a:extLst>
+              <a:ext uri="{FF2B5EF4-FFF2-40B4-BE49-F238E27FC236}">
+                <a16:creationId xmlns:a16="http://schemas.microsoft.com/office/drawing/2014/main" id="{71912A0D-134C-7149-857C-AB58D9898946}"/>
+              </a:ext>
+            </a:extLst>
+          </p:cNvPr>
+          <p:cNvCxnSpPr>
+            <a:cxnSpLocks/>
+            <a:stCxn id="13" idx="2"/>
+            <a:endCxn id="24" idx="0"/>
+          </p:cNvCxnSpPr>
+          <p:nvPr/>
+        </p:nvCxnSpPr>
+        <p:spPr>
+          <a:xfrm>
+            <a:off x="7323485" y="830517"/>
+            <a:ext cx="3422963" cy="821723"/>
+          </a:xfrm>
+          <a:prstGeom prst="straightConnector1">
+            <a:avLst/>
+          </a:prstGeom>
+          <a:ln w="22225">
+            <a:solidFill>
+              <a:schemeClr val="tx1"/>
+            </a:solidFill>
+            <a:tailEnd type="triangle" w="lg" len="lg"/>
+          </a:ln>
+        </p:spPr>
+        <p:style>
+          <a:lnRef idx="1">
+            <a:schemeClr val="accent1"/>
+          </a:lnRef>
+          <a:fillRef idx="0">
+            <a:schemeClr val="accent1"/>
+          </a:fillRef>
+          <a:effectRef idx="0">
+            <a:schemeClr val="accent1"/>
+          </a:effectRef>
+          <a:fontRef idx="minor">
+            <a:schemeClr val="tx1"/>
+          </a:fontRef>
+        </p:style>
+      </p:cxnSp>
+      <p:sp>
+        <p:nvSpPr>
+          <p:cNvPr id="2" name="Rectangle 1">
+            <a:extLst>
+              <a:ext uri="{FF2B5EF4-FFF2-40B4-BE49-F238E27FC236}">
+                <a16:creationId xmlns:a16="http://schemas.microsoft.com/office/drawing/2014/main" id="{BA824310-D944-1940-874F-00CEEF485201}"/>
+              </a:ext>
+            </a:extLst>
+          </p:cNvPr>
+          <p:cNvSpPr/>
+          <p:nvPr/>
+        </p:nvSpPr>
+        <p:spPr>
+          <a:xfrm>
+            <a:off x="597201" y="2812486"/>
+            <a:ext cx="6096000" cy="646331"/>
+          </a:xfrm>
+          <a:prstGeom prst="rect">
+            <a:avLst/>
+          </a:prstGeom>
+        </p:spPr>
+        <p:style>
+          <a:lnRef idx="2">
+            <a:schemeClr val="accent1"/>
+          </a:lnRef>
+          <a:fillRef idx="1">
+            <a:schemeClr val="lt1"/>
+          </a:fillRef>
+          <a:effectRef idx="0">
+            <a:schemeClr val="accent1"/>
+          </a:effectRef>
+          <a:fontRef idx="minor">
+            <a:schemeClr val="dk1"/>
+          </a:fontRef>
+        </p:style>
+        <p:txBody>
+          <a:bodyPr>
+            <a:spAutoFit/>
+          </a:bodyPr>
+          <a:lstStyle/>
+          <a:p>
+            <a:r>
+              <a:rPr lang="en-US" dirty="0"/>
+              <a:t>For </a:t>
+            </a:r>
+            <a:r>
+              <a:rPr lang="en-US" dirty="0" err="1"/>
+              <a:t>FoF</a:t>
+            </a:r>
+            <a:r>
+              <a:rPr lang="en-US" dirty="0"/>
+              <a:t> # composed of more than 3 digits, the first digit encodes for the ranked temporal order of image acquisitions</a:t>
+            </a:r>
+          </a:p>
+        </p:txBody>
+      </p:sp>
+      <p:sp>
+        <p:nvSpPr>
+          <p:cNvPr id="3" name="TextBox 2">
+            <a:extLst>
+              <a:ext uri="{FF2B5EF4-FFF2-40B4-BE49-F238E27FC236}">
+                <a16:creationId xmlns:a16="http://schemas.microsoft.com/office/drawing/2014/main" id="{762F65DB-ED57-3B47-957B-E28D8516E15F}"/>
+              </a:ext>
+            </a:extLst>
+          </p:cNvPr>
+          <p:cNvSpPr txBox="1"/>
+          <p:nvPr/>
+        </p:nvSpPr>
+        <p:spPr>
+          <a:xfrm>
+            <a:off x="1017149" y="3880399"/>
+            <a:ext cx="1150892" cy="369332"/>
+          </a:xfrm>
+          <a:prstGeom prst="rect">
+            <a:avLst/>
+          </a:prstGeom>
+          <a:noFill/>
+        </p:spPr>
+        <p:txBody>
+          <a:bodyPr wrap="none" rtlCol="0">
+            <a:spAutoFit/>
+          </a:bodyPr>
+          <a:lstStyle/>
+          <a:p>
+            <a:r>
+              <a:rPr lang="en-US" b="1" u="sng" dirty="0"/>
+              <a:t>Examples:</a:t>
+            </a:r>
+          </a:p>
+        </p:txBody>
+      </p:sp>
+      <p:sp>
+        <p:nvSpPr>
+          <p:cNvPr id="4" name="TextBox 3">
+            <a:extLst>
+              <a:ext uri="{FF2B5EF4-FFF2-40B4-BE49-F238E27FC236}">
+                <a16:creationId xmlns:a16="http://schemas.microsoft.com/office/drawing/2014/main" id="{646004F3-CB5B-3B4A-A5F3-68BC0C997523}"/>
+              </a:ext>
+            </a:extLst>
+          </p:cNvPr>
+          <p:cNvSpPr txBox="1"/>
+          <p:nvPr/>
+        </p:nvSpPr>
+        <p:spPr>
+          <a:xfrm>
+            <a:off x="6310939" y="4500885"/>
+            <a:ext cx="5080878" cy="646331"/>
+          </a:xfrm>
+          <a:prstGeom prst="rect">
+            <a:avLst/>
+          </a:prstGeom>
+        </p:spPr>
+        <p:style>
+          <a:lnRef idx="0">
+            <a:schemeClr val="accent2"/>
+          </a:lnRef>
+          <a:fillRef idx="3">
+            <a:schemeClr val="accent2"/>
+          </a:fillRef>
+          <a:effectRef idx="3">
+            <a:schemeClr val="accent2"/>
+          </a:effectRef>
+          <a:fontRef idx="minor">
+            <a:schemeClr val="lt1"/>
+          </a:fontRef>
+        </p:style>
+        <p:txBody>
+          <a:bodyPr wrap="none" rtlCol="0">
+            <a:spAutoFit/>
+          </a:bodyPr>
+          <a:lstStyle/>
+          <a:p>
+            <a:r>
+              <a:rPr lang="en-US" b="1" dirty="0"/>
+              <a:t>Anticipated problems</a:t>
+            </a:r>
+            <a:r>
+              <a:rPr lang="en-US" dirty="0"/>
+              <a:t>:</a:t>
+            </a:r>
+          </a:p>
+          <a:p>
+            <a:r>
+              <a:rPr lang="en-US" dirty="0"/>
+              <a:t>If we have more than 9 timepoints this will not work</a:t>
+            </a:r>
+          </a:p>
+        </p:txBody>
+      </p:sp>
+      <p:cxnSp>
+        <p:nvCxnSpPr>
+          <p:cNvPr id="6" name="Straight Arrow Connector 5">
+            <a:extLst>
+              <a:ext uri="{FF2B5EF4-FFF2-40B4-BE49-F238E27FC236}">
+                <a16:creationId xmlns:a16="http://schemas.microsoft.com/office/drawing/2014/main" id="{8CF5AA1A-29BC-994B-9BC2-1A32A2309188}"/>
+              </a:ext>
+            </a:extLst>
+          </p:cNvPr>
+          <p:cNvCxnSpPr>
+            <a:endCxn id="2" idx="0"/>
+          </p:cNvCxnSpPr>
+          <p:nvPr/>
+        </p:nvCxnSpPr>
+        <p:spPr>
+          <a:xfrm flipH="1">
+            <a:off x="3645201" y="2021572"/>
+            <a:ext cx="261906" cy="790914"/>
+          </a:xfrm>
+          <a:prstGeom prst="straightConnector1">
+            <a:avLst/>
+          </a:prstGeom>
+          <a:ln>
+            <a:tailEnd type="triangle"/>
+          </a:ln>
+        </p:spPr>
+        <p:style>
+          <a:lnRef idx="1">
+            <a:schemeClr val="accent1"/>
+          </a:lnRef>
+          <a:fillRef idx="0">
+            <a:schemeClr val="accent1"/>
+          </a:fillRef>
+          <a:effectRef idx="0">
+            <a:schemeClr val="accent1"/>
+          </a:effectRef>
+          <a:fontRef idx="minor">
+            <a:schemeClr val="tx1"/>
+          </a:fontRef>
+        </p:style>
+      </p:cxnSp>
+    </p:spTree>
+    <p:extLst>
+      <p:ext uri="{BB962C8B-B14F-4D97-AF65-F5344CB8AC3E}">
+        <p14:creationId xmlns:p14="http://schemas.microsoft.com/office/powerpoint/2010/main" val="1366093226"/>
       </p:ext>
     </p:extLst>
   </p:cSld>

--- a/3DImaging_PipelineSetup_220229.pptx
+++ b/3DImaging_PipelineSetup_220229.pptx
@@ -205,7 +205,7 @@
           <a:p>
             <a:fld id="{2DD6C4EA-F84B-8744-9CDF-3BF539B94832}" type="datetimeFigureOut">
               <a:rPr lang="en-US" smtClean="0"/>
-              <a:t>4/12/22</a:t>
+              <a:t>4/13/22</a:t>
             </a:fld>
             <a:endParaRPr lang="en-US"/>
           </a:p>
@@ -1248,7 +1248,7 @@
           <a:p>
             <a:fld id="{AE54FBC7-1C9C-FD4F-9454-14BDA9D559E8}" type="datetimeFigureOut">
               <a:rPr lang="en-US" smtClean="0"/>
-              <a:t>4/12/22</a:t>
+              <a:t>4/13/22</a:t>
             </a:fld>
             <a:endParaRPr lang="en-US"/>
           </a:p>
@@ -1446,7 +1446,7 @@
           <a:p>
             <a:fld id="{AE54FBC7-1C9C-FD4F-9454-14BDA9D559E8}" type="datetimeFigureOut">
               <a:rPr lang="en-US" smtClean="0"/>
-              <a:t>4/12/22</a:t>
+              <a:t>4/13/22</a:t>
             </a:fld>
             <a:endParaRPr lang="en-US"/>
           </a:p>
@@ -1654,7 +1654,7 @@
           <a:p>
             <a:fld id="{AE54FBC7-1C9C-FD4F-9454-14BDA9D559E8}" type="datetimeFigureOut">
               <a:rPr lang="en-US" smtClean="0"/>
-              <a:t>4/12/22</a:t>
+              <a:t>4/13/22</a:t>
             </a:fld>
             <a:endParaRPr lang="en-US"/>
           </a:p>
@@ -1852,7 +1852,7 @@
           <a:p>
             <a:fld id="{AE54FBC7-1C9C-FD4F-9454-14BDA9D559E8}" type="datetimeFigureOut">
               <a:rPr lang="en-US" smtClean="0"/>
-              <a:t>4/12/22</a:t>
+              <a:t>4/13/22</a:t>
             </a:fld>
             <a:endParaRPr lang="en-US"/>
           </a:p>
@@ -2127,7 +2127,7 @@
           <a:p>
             <a:fld id="{AE54FBC7-1C9C-FD4F-9454-14BDA9D559E8}" type="datetimeFigureOut">
               <a:rPr lang="en-US" smtClean="0"/>
-              <a:t>4/12/22</a:t>
+              <a:t>4/13/22</a:t>
             </a:fld>
             <a:endParaRPr lang="en-US"/>
           </a:p>
@@ -2392,7 +2392,7 @@
           <a:p>
             <a:fld id="{AE54FBC7-1C9C-FD4F-9454-14BDA9D559E8}" type="datetimeFigureOut">
               <a:rPr lang="en-US" smtClean="0"/>
-              <a:t>4/12/22</a:t>
+              <a:t>4/13/22</a:t>
             </a:fld>
             <a:endParaRPr lang="en-US"/>
           </a:p>
@@ -2804,7 +2804,7 @@
           <a:p>
             <a:fld id="{AE54FBC7-1C9C-FD4F-9454-14BDA9D559E8}" type="datetimeFigureOut">
               <a:rPr lang="en-US" smtClean="0"/>
-              <a:t>4/12/22</a:t>
+              <a:t>4/13/22</a:t>
             </a:fld>
             <a:endParaRPr lang="en-US"/>
           </a:p>
@@ -2945,7 +2945,7 @@
           <a:p>
             <a:fld id="{AE54FBC7-1C9C-FD4F-9454-14BDA9D559E8}" type="datetimeFigureOut">
               <a:rPr lang="en-US" smtClean="0"/>
-              <a:t>4/12/22</a:t>
+              <a:t>4/13/22</a:t>
             </a:fld>
             <a:endParaRPr lang="en-US"/>
           </a:p>
@@ -3058,7 +3058,7 @@
           <a:p>
             <a:fld id="{AE54FBC7-1C9C-FD4F-9454-14BDA9D559E8}" type="datetimeFigureOut">
               <a:rPr lang="en-US" smtClean="0"/>
-              <a:t>4/12/22</a:t>
+              <a:t>4/13/22</a:t>
             </a:fld>
             <a:endParaRPr lang="en-US"/>
           </a:p>
@@ -3369,7 +3369,7 @@
           <a:p>
             <a:fld id="{AE54FBC7-1C9C-FD4F-9454-14BDA9D559E8}" type="datetimeFigureOut">
               <a:rPr lang="en-US" smtClean="0"/>
-              <a:t>4/12/22</a:t>
+              <a:t>4/13/22</a:t>
             </a:fld>
             <a:endParaRPr lang="en-US"/>
           </a:p>
@@ -3657,7 +3657,7 @@
           <a:p>
             <a:fld id="{AE54FBC7-1C9C-FD4F-9454-14BDA9D559E8}" type="datetimeFigureOut">
               <a:rPr lang="en-US" smtClean="0"/>
-              <a:t>4/12/22</a:t>
+              <a:t>4/13/22</a:t>
             </a:fld>
             <a:endParaRPr lang="en-US"/>
           </a:p>
@@ -3898,7 +3898,7 @@
           <a:p>
             <a:fld id="{AE54FBC7-1C9C-FD4F-9454-14BDA9D559E8}" type="datetimeFigureOut">
               <a:rPr lang="en-US" smtClean="0"/>
-              <a:t>4/12/22</a:t>
+              <a:t>4/13/22</a:t>
             </a:fld>
             <a:endParaRPr lang="en-US"/>
           </a:p>
@@ -4337,9 +4337,10 @@
           <a:lstStyle/>
           <a:p>
             <a:r>
-              <a:rPr lang="en-US" dirty="0"/>
+              <a:rPr lang="en-US"/>
               <a:t>Color code:</a:t>
             </a:r>
+            <a:endParaRPr lang="en-US" dirty="0"/>
           </a:p>
         </p:txBody>
       </p:sp>
@@ -9917,6 +9918,80 @@
           </a:fontRef>
         </p:style>
       </p:cxnSp>
+      <p:sp>
+        <p:nvSpPr>
+          <p:cNvPr id="15" name="TextBox 14">
+            <a:extLst>
+              <a:ext uri="{FF2B5EF4-FFF2-40B4-BE49-F238E27FC236}">
+                <a16:creationId xmlns:a16="http://schemas.microsoft.com/office/drawing/2014/main" id="{CA4815F7-AFC4-BA4A-84C6-6633580EAECD}"/>
+              </a:ext>
+            </a:extLst>
+          </p:cNvPr>
+          <p:cNvSpPr txBox="1"/>
+          <p:nvPr/>
+        </p:nvSpPr>
+        <p:spPr>
+          <a:xfrm>
+            <a:off x="6310939" y="5403893"/>
+            <a:ext cx="5080878" cy="1200329"/>
+          </a:xfrm>
+          <a:prstGeom prst="rect">
+            <a:avLst/>
+          </a:prstGeom>
+        </p:spPr>
+        <p:style>
+          <a:lnRef idx="2">
+            <a:schemeClr val="dk1"/>
+          </a:lnRef>
+          <a:fillRef idx="1">
+            <a:schemeClr val="lt1"/>
+          </a:fillRef>
+          <a:effectRef idx="0">
+            <a:schemeClr val="dk1"/>
+          </a:effectRef>
+          <a:fontRef idx="minor">
+            <a:schemeClr val="dk1"/>
+          </a:fontRef>
+        </p:style>
+        <p:txBody>
+          <a:bodyPr wrap="square" rtlCol="0">
+            <a:spAutoFit/>
+          </a:bodyPr>
+          <a:lstStyle/>
+          <a:p>
+            <a:r>
+              <a:rPr lang="en-US" b="1" dirty="0"/>
+              <a:t>Solution</a:t>
+            </a:r>
+            <a:r>
+              <a:rPr lang="en-US" dirty="0"/>
+              <a:t>:</a:t>
+            </a:r>
+          </a:p>
+          <a:p>
+            <a:r>
+              <a:rPr lang="en-US" dirty="0"/>
+              <a:t>README file under each folder A01*/</a:t>
+            </a:r>
+            <a:r>
+              <a:rPr lang="en-US" dirty="0" err="1"/>
+              <a:t>FoF</a:t>
+            </a:r>
+            <a:r>
+              <a:rPr lang="en-US" dirty="0"/>
+              <a:t>* specifying any interpretation that comes with the </a:t>
+            </a:r>
+            <a:r>
+              <a:rPr lang="en-US" dirty="0" err="1"/>
+              <a:t>FoF</a:t>
+            </a:r>
+            <a:r>
+              <a:rPr lang="en-US" dirty="0"/>
+              <a:t>#</a:t>
+            </a:r>
+          </a:p>
+        </p:txBody>
+      </p:sp>
     </p:spTree>
     <p:extLst>
       <p:ext uri="{BB962C8B-B14F-4D97-AF65-F5344CB8AC3E}">

--- a/3DImaging_PipelineSetup_220229.pptx
+++ b/3DImaging_PipelineSetup_220229.pptx
@@ -205,7 +205,7 @@
           <a:p>
             <a:fld id="{2DD6C4EA-F84B-8744-9CDF-3BF539B94832}" type="datetimeFigureOut">
               <a:rPr lang="en-US" smtClean="0"/>
-              <a:t>4/13/22</a:t>
+              <a:t>5/10/22</a:t>
             </a:fld>
             <a:endParaRPr lang="en-US"/>
           </a:p>
@@ -1248,7 +1248,7 @@
           <a:p>
             <a:fld id="{AE54FBC7-1C9C-FD4F-9454-14BDA9D559E8}" type="datetimeFigureOut">
               <a:rPr lang="en-US" smtClean="0"/>
-              <a:t>4/13/22</a:t>
+              <a:t>5/10/22</a:t>
             </a:fld>
             <a:endParaRPr lang="en-US"/>
           </a:p>
@@ -1446,7 +1446,7 @@
           <a:p>
             <a:fld id="{AE54FBC7-1C9C-FD4F-9454-14BDA9D559E8}" type="datetimeFigureOut">
               <a:rPr lang="en-US" smtClean="0"/>
-              <a:t>4/13/22</a:t>
+              <a:t>5/10/22</a:t>
             </a:fld>
             <a:endParaRPr lang="en-US"/>
           </a:p>
@@ -1654,7 +1654,7 @@
           <a:p>
             <a:fld id="{AE54FBC7-1C9C-FD4F-9454-14BDA9D559E8}" type="datetimeFigureOut">
               <a:rPr lang="en-US" smtClean="0"/>
-              <a:t>4/13/22</a:t>
+              <a:t>5/10/22</a:t>
             </a:fld>
             <a:endParaRPr lang="en-US"/>
           </a:p>
@@ -1852,7 +1852,7 @@
           <a:p>
             <a:fld id="{AE54FBC7-1C9C-FD4F-9454-14BDA9D559E8}" type="datetimeFigureOut">
               <a:rPr lang="en-US" smtClean="0"/>
-              <a:t>4/13/22</a:t>
+              <a:t>5/10/22</a:t>
             </a:fld>
             <a:endParaRPr lang="en-US"/>
           </a:p>
@@ -2127,7 +2127,7 @@
           <a:p>
             <a:fld id="{AE54FBC7-1C9C-FD4F-9454-14BDA9D559E8}" type="datetimeFigureOut">
               <a:rPr lang="en-US" smtClean="0"/>
-              <a:t>4/13/22</a:t>
+              <a:t>5/10/22</a:t>
             </a:fld>
             <a:endParaRPr lang="en-US"/>
           </a:p>
@@ -2392,7 +2392,7 @@
           <a:p>
             <a:fld id="{AE54FBC7-1C9C-FD4F-9454-14BDA9D559E8}" type="datetimeFigureOut">
               <a:rPr lang="en-US" smtClean="0"/>
-              <a:t>4/13/22</a:t>
+              <a:t>5/10/22</a:t>
             </a:fld>
             <a:endParaRPr lang="en-US"/>
           </a:p>
@@ -2804,7 +2804,7 @@
           <a:p>
             <a:fld id="{AE54FBC7-1C9C-FD4F-9454-14BDA9D559E8}" type="datetimeFigureOut">
               <a:rPr lang="en-US" smtClean="0"/>
-              <a:t>4/13/22</a:t>
+              <a:t>5/10/22</a:t>
             </a:fld>
             <a:endParaRPr lang="en-US"/>
           </a:p>
@@ -2945,7 +2945,7 @@
           <a:p>
             <a:fld id="{AE54FBC7-1C9C-FD4F-9454-14BDA9D559E8}" type="datetimeFigureOut">
               <a:rPr lang="en-US" smtClean="0"/>
-              <a:t>4/13/22</a:t>
+              <a:t>5/10/22</a:t>
             </a:fld>
             <a:endParaRPr lang="en-US"/>
           </a:p>
@@ -3058,7 +3058,7 @@
           <a:p>
             <a:fld id="{AE54FBC7-1C9C-FD4F-9454-14BDA9D559E8}" type="datetimeFigureOut">
               <a:rPr lang="en-US" smtClean="0"/>
-              <a:t>4/13/22</a:t>
+              <a:t>5/10/22</a:t>
             </a:fld>
             <a:endParaRPr lang="en-US"/>
           </a:p>
@@ -3369,7 +3369,7 @@
           <a:p>
             <a:fld id="{AE54FBC7-1C9C-FD4F-9454-14BDA9D559E8}" type="datetimeFigureOut">
               <a:rPr lang="en-US" smtClean="0"/>
-              <a:t>4/13/22</a:t>
+              <a:t>5/10/22</a:t>
             </a:fld>
             <a:endParaRPr lang="en-US"/>
           </a:p>
@@ -3657,7 +3657,7 @@
           <a:p>
             <a:fld id="{AE54FBC7-1C9C-FD4F-9454-14BDA9D559E8}" type="datetimeFigureOut">
               <a:rPr lang="en-US" smtClean="0"/>
-              <a:t>4/13/22</a:t>
+              <a:t>5/10/22</a:t>
             </a:fld>
             <a:endParaRPr lang="en-US"/>
           </a:p>
@@ -3898,7 +3898,7 @@
           <a:p>
             <a:fld id="{AE54FBC7-1C9C-FD4F-9454-14BDA9D559E8}" type="datetimeFigureOut">
               <a:rPr lang="en-US" smtClean="0"/>
-              <a:t>4/13/22</a:t>
+              <a:t>5/10/22</a:t>
             </a:fld>
             <a:endParaRPr lang="en-US"/>
           </a:p>
@@ -8329,7 +8329,7 @@
         <p:spPr>
           <a:xfrm>
             <a:off x="951835" y="6281057"/>
-            <a:ext cx="2693366" cy="369332"/>
+            <a:ext cx="4647106" cy="369332"/>
           </a:xfrm>
           <a:prstGeom prst="rect">
             <a:avLst/>
@@ -8348,7 +8348,7 @@
                   <a:srgbClr val="C00000"/>
                 </a:solidFill>
               </a:rPr>
-              <a:t>Example: FoF1_2022Jan04</a:t>
+              <a:t>Example: FoF1_2022Jan04_fluorescent.nucleus</a:t>
             </a:r>
           </a:p>
         </p:txBody>
@@ -8866,6 +8866,51 @@
               <a:schemeClr val="tx1"/>
             </a:solidFill>
             <a:tailEnd type="triangle" w="lg" len="lg"/>
+          </a:ln>
+        </p:spPr>
+        <p:style>
+          <a:lnRef idx="1">
+            <a:schemeClr val="accent1"/>
+          </a:lnRef>
+          <a:fillRef idx="0">
+            <a:schemeClr val="accent1"/>
+          </a:fillRef>
+          <a:effectRef idx="0">
+            <a:schemeClr val="accent1"/>
+          </a:effectRef>
+          <a:fontRef idx="minor">
+            <a:schemeClr val="tx1"/>
+          </a:fontRef>
+        </p:style>
+      </p:cxnSp>
+      <p:cxnSp>
+        <p:nvCxnSpPr>
+          <p:cNvPr id="33" name="Straight Connector 32">
+            <a:extLst>
+              <a:ext uri="{FF2B5EF4-FFF2-40B4-BE49-F238E27FC236}">
+                <a16:creationId xmlns:a16="http://schemas.microsoft.com/office/drawing/2014/main" id="{EC41500C-F5E3-0848-90B3-F63082DCF93D}"/>
+              </a:ext>
+            </a:extLst>
+          </p:cNvPr>
+          <p:cNvCxnSpPr>
+            <a:cxnSpLocks/>
+            <a:endCxn id="20" idx="3"/>
+          </p:cNvCxnSpPr>
+          <p:nvPr/>
+        </p:nvCxnSpPr>
+        <p:spPr>
+          <a:xfrm flipH="1">
+            <a:off x="8631856" y="2476569"/>
+            <a:ext cx="969346" cy="1379105"/>
+          </a:xfrm>
+          <a:prstGeom prst="line">
+            <a:avLst/>
+          </a:prstGeom>
+          <a:ln w="19050">
+            <a:solidFill>
+              <a:srgbClr val="C00000"/>
+            </a:solidFill>
+            <a:prstDash val="dash"/>
           </a:ln>
         </p:spPr>
         <p:style>
